--- a/발표자료.pptx
+++ b/발표자료.pptx
@@ -36907,7 +36907,7 @@
             <a:pPr algn="ctr"/>
             <a:r>
               <a:rPr lang="en-US" altLang="ko-KR" sz="1200" dirty="0"/>
-              <a:t>224 x 224</a:t>
+              <a:t>256 x 256</a:t>
             </a:r>
           </a:p>
         </p:txBody>

--- a/발표자료.pptx
+++ b/발표자료.pptx
@@ -36907,7 +36907,7 @@
             <a:pPr algn="ctr"/>
             <a:r>
               <a:rPr lang="en-US" altLang="ko-KR" sz="1200" dirty="0"/>
-              <a:t>256 x 256</a:t>
+              <a:t>224 x 224</a:t>
             </a:r>
           </a:p>
         </p:txBody>
